--- a/Lesson 07 - Iteration/Teaching Assets/Lesson 07 - Iteration.pptx
+++ b/Lesson 07 - Iteration/Teaching Assets/Lesson 07 - Iteration.pptx
@@ -5,7 +5,7 @@
     <p:sldMasterId id="2147483764" r:id="rId1"/>
   </p:sldMasterIdLst>
   <p:notesMasterIdLst>
-    <p:notesMasterId r:id="rId24"/>
+    <p:notesMasterId r:id="rId25"/>
   </p:notesMasterIdLst>
   <p:sldIdLst>
     <p:sldId id="256" r:id="rId2"/>
@@ -29,7 +29,8 @@
     <p:sldId id="344" r:id="rId20"/>
     <p:sldId id="345" r:id="rId21"/>
     <p:sldId id="346" r:id="rId22"/>
-    <p:sldId id="347" r:id="rId23"/>
+    <p:sldId id="348" r:id="rId23"/>
+    <p:sldId id="347" r:id="rId24"/>
   </p:sldIdLst>
   <p:sldSz cx="12192000" cy="6858000"/>
   <p:notesSz cx="6858000" cy="9144000"/>
@@ -136,16 +137,56 @@
 </p:presentation>
 </file>
 
-<file path=ppt/revisionInfo.xml><?xml version="1.0" encoding="utf-8"?>
-<p1510:revInfo xmlns:a="http://schemas.openxmlformats.org/drawingml/2006/main" xmlns:r="http://schemas.openxmlformats.org/officeDocument/2006/relationships" xmlns:p1510="http://schemas.microsoft.com/office/powerpoint/2015/10/main">
-  <p1510:revLst>
-    <p1510:client id="{41503ABC-823F-4D0B-AF84-0371E1E42A13}" v="37" dt="2023-10-09T20:09:12.315"/>
-  </p1510:revLst>
-</p1510:revInfo>
-</file>
-
 <file path=ppt/changesInfos/changesInfo1.xml><?xml version="1.0" encoding="utf-8"?>
 <pc:chgInfo xmlns:a="http://schemas.openxmlformats.org/drawingml/2006/main" xmlns:r="http://schemas.openxmlformats.org/officeDocument/2006/relationships" xmlns:ac="http://schemas.microsoft.com/office/drawing/2013/main/command" xmlns:pc="http://schemas.microsoft.com/office/powerpoint/2013/main/command">
+  <pc:docChgLst>
+    <pc:chgData name="Jim Finn" userId="fcf7da85b79b963a" providerId="LiveId" clId="{3E17A357-CD67-428F-BD1E-55C8428708BF}"/>
+    <pc:docChg chg="custSel addSld modSld">
+      <pc:chgData name="Jim Finn" userId="fcf7da85b79b963a" providerId="LiveId" clId="{3E17A357-CD67-428F-BD1E-55C8428708BF}" dt="2023-11-15T07:49:09.615" v="76" actId="20577"/>
+      <pc:docMkLst>
+        <pc:docMk/>
+      </pc:docMkLst>
+      <pc:sldChg chg="addSp modSp new mod modClrScheme chgLayout">
+        <pc:chgData name="Jim Finn" userId="fcf7da85b79b963a" providerId="LiveId" clId="{3E17A357-CD67-428F-BD1E-55C8428708BF}" dt="2023-11-15T07:49:09.615" v="76" actId="20577"/>
+        <pc:sldMkLst>
+          <pc:docMk/>
+          <pc:sldMk cId="804452658" sldId="348"/>
+        </pc:sldMkLst>
+        <pc:spChg chg="add mod">
+          <ac:chgData name="Jim Finn" userId="fcf7da85b79b963a" providerId="LiveId" clId="{3E17A357-CD67-428F-BD1E-55C8428708BF}" dt="2023-11-15T07:49:06.558" v="69" actId="313"/>
+          <ac:spMkLst>
+            <pc:docMk/>
+            <pc:sldMk cId="804452658" sldId="348"/>
+            <ac:spMk id="2" creationId="{F56CFA39-D6F0-2602-6849-3C0EC0693F5C}"/>
+          </ac:spMkLst>
+        </pc:spChg>
+        <pc:spChg chg="add mod">
+          <ac:chgData name="Jim Finn" userId="fcf7da85b79b963a" providerId="LiveId" clId="{3E17A357-CD67-428F-BD1E-55C8428708BF}" dt="2023-11-15T07:49:09.615" v="76" actId="20577"/>
+          <ac:spMkLst>
+            <pc:docMk/>
+            <pc:sldMk cId="804452658" sldId="348"/>
+            <ac:spMk id="3" creationId="{8B9EF672-BB53-DE24-D809-B6BB283EC215}"/>
+          </ac:spMkLst>
+        </pc:spChg>
+        <pc:picChg chg="add mod">
+          <ac:chgData name="Jim Finn" userId="fcf7da85b79b963a" providerId="LiveId" clId="{3E17A357-CD67-428F-BD1E-55C8428708BF}" dt="2023-11-15T07:47:57.130" v="32" actId="1076"/>
+          <ac:picMkLst>
+            <pc:docMk/>
+            <pc:sldMk cId="804452658" sldId="348"/>
+            <ac:picMk id="5" creationId="{A817B2CA-C244-72CC-F5CD-B708460FD4DB}"/>
+          </ac:picMkLst>
+        </pc:picChg>
+        <pc:picChg chg="add mod">
+          <ac:chgData name="Jim Finn" userId="fcf7da85b79b963a" providerId="LiveId" clId="{3E17A357-CD67-428F-BD1E-55C8428708BF}" dt="2023-11-15T07:48:39.613" v="46" actId="1076"/>
+          <ac:picMkLst>
+            <pc:docMk/>
+            <pc:sldMk cId="804452658" sldId="348"/>
+            <ac:picMk id="7" creationId="{9158C71B-A922-FB95-3A4B-914BA83759E7}"/>
+          </ac:picMkLst>
+        </pc:picChg>
+      </pc:sldChg>
+    </pc:docChg>
+  </pc:docChgLst>
   <pc:docChgLst>
     <pc:chgData name="Jim Finn" userId="fcf7da85b79b963a" providerId="LiveId" clId="{6D1A12E5-830E-4F5D-8C0D-D9FF79812A5E}"/>
     <pc:docChg chg="delSld modSld">
@@ -2275,7 +2316,7 @@
           <a:p>
             <a:fld id="{1D63DF1F-1749-4BA6-89F1-E731035F336C}" type="datetimeFigureOut">
               <a:rPr lang="en-IE" smtClean="0"/>
-              <a:t>09/10/2023</a:t>
+              <a:t>15/11/2023</a:t>
             </a:fld>
             <a:endParaRPr lang="en-IE"/>
           </a:p>
@@ -2832,7 +2873,7 @@
           <a:p>
             <a:fld id="{76969C88-B244-455D-A017-012B25B1ACDD}" type="datetimeFigureOut">
               <a:rPr lang="en-US" smtClean="0"/>
-              <a:t>10/9/2023</a:t>
+              <a:t>11/15/2023</a:t>
             </a:fld>
             <a:endParaRPr lang="en-US"/>
           </a:p>
@@ -3131,7 +3172,7 @@
             <a:fld id="{76969C88-B244-455D-A017-012B25B1ACDD}" type="datetimeFigureOut">
               <a:rPr lang="en-US" smtClean="0"/>
               <a:pPr/>
-              <a:t>10/9/2023</a:t>
+              <a:t>11/15/2023</a:t>
             </a:fld>
             <a:endParaRPr lang="en-US"/>
           </a:p>
@@ -3325,7 +3366,7 @@
             <a:fld id="{76969C88-B244-455D-A017-012B25B1ACDD}" type="datetimeFigureOut">
               <a:rPr lang="en-US" smtClean="0"/>
               <a:pPr/>
-              <a:t>10/9/2023</a:t>
+              <a:t>11/15/2023</a:t>
             </a:fld>
             <a:endParaRPr lang="en-US"/>
           </a:p>
@@ -3588,7 +3629,7 @@
             <a:fld id="{76969C88-B244-455D-A017-012B25B1ACDD}" type="datetimeFigureOut">
               <a:rPr lang="en-US" smtClean="0"/>
               <a:pPr/>
-              <a:t>10/9/2023</a:t>
+              <a:t>11/15/2023</a:t>
             </a:fld>
             <a:endParaRPr lang="en-US"/>
           </a:p>
@@ -4014,7 +4055,7 @@
             <a:fld id="{76969C88-B244-455D-A017-012B25B1ACDD}" type="datetimeFigureOut">
               <a:rPr lang="en-US" smtClean="0"/>
               <a:pPr/>
-              <a:t>10/9/2023</a:t>
+              <a:t>11/15/2023</a:t>
             </a:fld>
             <a:endParaRPr lang="en-US"/>
           </a:p>
@@ -4553,7 +4594,7 @@
             <a:fld id="{76969C88-B244-455D-A017-012B25B1ACDD}" type="datetimeFigureOut">
               <a:rPr lang="en-US" smtClean="0"/>
               <a:pPr/>
-              <a:t>10/9/2023</a:t>
+              <a:t>11/15/2023</a:t>
             </a:fld>
             <a:endParaRPr lang="en-US"/>
           </a:p>
@@ -5419,7 +5460,7 @@
             <a:fld id="{76969C88-B244-455D-A017-012B25B1ACDD}" type="datetimeFigureOut">
               <a:rPr lang="en-US" smtClean="0"/>
               <a:pPr/>
-              <a:t>10/9/2023</a:t>
+              <a:t>11/15/2023</a:t>
             </a:fld>
             <a:endParaRPr lang="en-US"/>
           </a:p>
@@ -5590,7 +5631,7 @@
           <a:p>
             <a:fld id="{76969C88-B244-455D-A017-012B25B1ACDD}" type="datetimeFigureOut">
               <a:rPr lang="en-US" smtClean="0"/>
-              <a:t>10/9/2023</a:t>
+              <a:t>11/15/2023</a:t>
             </a:fld>
             <a:endParaRPr lang="en-US"/>
           </a:p>
@@ -5774,7 +5815,7 @@
           <a:p>
             <a:fld id="{76969C88-B244-455D-A017-012B25B1ACDD}" type="datetimeFigureOut">
               <a:rPr lang="en-US" smtClean="0"/>
-              <a:t>10/9/2023</a:t>
+              <a:t>11/15/2023</a:t>
             </a:fld>
             <a:endParaRPr lang="en-US"/>
           </a:p>
@@ -5944,7 +5985,7 @@
           <a:p>
             <a:fld id="{76969C88-B244-455D-A017-012B25B1ACDD}" type="datetimeFigureOut">
               <a:rPr lang="en-US" smtClean="0"/>
-              <a:t>10/9/2023</a:t>
+              <a:t>11/15/2023</a:t>
             </a:fld>
             <a:endParaRPr lang="en-US"/>
           </a:p>
@@ -6188,7 +6229,7 @@
           <a:p>
             <a:fld id="{76969C88-B244-455D-A017-012B25B1ACDD}" type="datetimeFigureOut">
               <a:rPr lang="en-US" smtClean="0"/>
-              <a:t>10/9/2023</a:t>
+              <a:t>11/15/2023</a:t>
             </a:fld>
             <a:endParaRPr lang="en-US"/>
           </a:p>
@@ -6424,7 +6465,7 @@
           <a:p>
             <a:fld id="{76969C88-B244-455D-A017-012B25B1ACDD}" type="datetimeFigureOut">
               <a:rPr lang="en-US" smtClean="0"/>
-              <a:t>10/9/2023</a:t>
+              <a:t>11/15/2023</a:t>
             </a:fld>
             <a:endParaRPr lang="en-US"/>
           </a:p>
@@ -6890,7 +6931,7 @@
           <a:p>
             <a:fld id="{76969C88-B244-455D-A017-012B25B1ACDD}" type="datetimeFigureOut">
               <a:rPr lang="en-US" smtClean="0"/>
-              <a:t>10/9/2023</a:t>
+              <a:t>11/15/2023</a:t>
             </a:fld>
             <a:endParaRPr lang="en-US"/>
           </a:p>
@@ -7008,7 +7049,7 @@
           <a:p>
             <a:fld id="{76969C88-B244-455D-A017-012B25B1ACDD}" type="datetimeFigureOut">
               <a:rPr lang="en-US" smtClean="0"/>
-              <a:t>10/9/2023</a:t>
+              <a:t>11/15/2023</a:t>
             </a:fld>
             <a:endParaRPr lang="en-US"/>
           </a:p>
@@ -7103,7 +7144,7 @@
           <a:p>
             <a:fld id="{76969C88-B244-455D-A017-012B25B1ACDD}" type="datetimeFigureOut">
               <a:rPr lang="en-US" smtClean="0"/>
-              <a:t>10/9/2023</a:t>
+              <a:t>11/15/2023</a:t>
             </a:fld>
             <a:endParaRPr lang="en-US"/>
           </a:p>
@@ -7358,7 +7399,7 @@
           <a:p>
             <a:fld id="{76969C88-B244-455D-A017-012B25B1ACDD}" type="datetimeFigureOut">
               <a:rPr lang="en-US" smtClean="0"/>
-              <a:t>10/9/2023</a:t>
+              <a:t>11/15/2023</a:t>
             </a:fld>
             <a:endParaRPr lang="en-US"/>
           </a:p>
@@ -7658,7 +7699,7 @@
           <a:p>
             <a:fld id="{76969C88-B244-455D-A017-012B25B1ACDD}" type="datetimeFigureOut">
               <a:rPr lang="en-US" smtClean="0"/>
-              <a:t>10/9/2023</a:t>
+              <a:t>11/15/2023</a:t>
             </a:fld>
             <a:endParaRPr lang="en-US"/>
           </a:p>
@@ -7893,7 +7934,7 @@
             <a:fld id="{76969C88-B244-455D-A017-012B25B1ACDD}" type="datetimeFigureOut">
               <a:rPr lang="en-US" smtClean="0"/>
               <a:pPr/>
-              <a:t>10/9/2023</a:t>
+              <a:t>11/15/2023</a:t>
             </a:fld>
             <a:endParaRPr lang="en-US"/>
           </a:p>
@@ -15600,6 +15641,170 @@
           <p:cNvPr id="2" name="Title 1">
             <a:extLst>
               <a:ext uri="{FF2B5EF4-FFF2-40B4-BE49-F238E27FC236}">
+                <a16:creationId xmlns:a16="http://schemas.microsoft.com/office/drawing/2014/main" id="{F56CFA39-D6F0-2602-6849-3C0EC0693F5C}"/>
+              </a:ext>
+            </a:extLst>
+          </p:cNvPr>
+          <p:cNvSpPr>
+            <a:spLocks noGrp="1"/>
+          </p:cNvSpPr>
+          <p:nvPr>
+            <p:ph type="title"/>
+          </p:nvPr>
+        </p:nvSpPr>
+        <p:spPr/>
+        <p:txBody>
+          <a:bodyPr/>
+          <a:lstStyle/>
+          <a:p>
+            <a:r>
+              <a:rPr lang="en-IE" dirty="0"/>
+              <a:t>Scratch Equivalent</a:t>
+            </a:r>
+          </a:p>
+        </p:txBody>
+      </p:sp>
+      <p:sp>
+        <p:nvSpPr>
+          <p:cNvPr id="3" name="Content Placeholder 2">
+            <a:extLst>
+              <a:ext uri="{FF2B5EF4-FFF2-40B4-BE49-F238E27FC236}">
+                <a16:creationId xmlns:a16="http://schemas.microsoft.com/office/drawing/2014/main" id="{8B9EF672-BB53-DE24-D809-B6BB283EC215}"/>
+              </a:ext>
+            </a:extLst>
+          </p:cNvPr>
+          <p:cNvSpPr>
+            <a:spLocks noGrp="1"/>
+          </p:cNvSpPr>
+          <p:nvPr>
+            <p:ph idx="1"/>
+          </p:nvPr>
+        </p:nvSpPr>
+        <p:spPr/>
+        <p:txBody>
+          <a:bodyPr/>
+          <a:lstStyle/>
+          <a:p>
+            <a:r>
+              <a:rPr lang="en-IE" dirty="0"/>
+              <a:t>For Loop –</a:t>
+            </a:r>
+          </a:p>
+          <a:p>
+            <a:endParaRPr lang="en-IE" dirty="0"/>
+          </a:p>
+          <a:p>
+            <a:endParaRPr lang="en-IE" dirty="0"/>
+          </a:p>
+          <a:p>
+            <a:r>
+              <a:rPr lang="en-IE" dirty="0"/>
+              <a:t>While -  </a:t>
+            </a:r>
+          </a:p>
+          <a:p>
+            <a:endParaRPr lang="en-IE" dirty="0"/>
+          </a:p>
+          <a:p>
+            <a:endParaRPr lang="en-IE" dirty="0"/>
+          </a:p>
+        </p:txBody>
+      </p:sp>
+      <p:pic>
+        <p:nvPicPr>
+          <p:cNvPr id="5" name="Picture 4">
+            <a:extLst>
+              <a:ext uri="{FF2B5EF4-FFF2-40B4-BE49-F238E27FC236}">
+                <a16:creationId xmlns:a16="http://schemas.microsoft.com/office/drawing/2014/main" id="{A817B2CA-C244-72CC-F5CD-B708460FD4DB}"/>
+              </a:ext>
+            </a:extLst>
+          </p:cNvPr>
+          <p:cNvPicPr>
+            <a:picLocks noChangeAspect="1"/>
+          </p:cNvPicPr>
+          <p:nvPr/>
+        </p:nvPicPr>
+        <p:blipFill>
+          <a:blip r:embed="rId2"/>
+          <a:stretch>
+            <a:fillRect/>
+          </a:stretch>
+        </p:blipFill>
+        <p:spPr>
+          <a:xfrm>
+            <a:off x="2943172" y="1580050"/>
+            <a:ext cx="1219306" cy="914479"/>
+          </a:xfrm>
+          <a:prstGeom prst="rect">
+            <a:avLst/>
+          </a:prstGeom>
+        </p:spPr>
+      </p:pic>
+      <p:pic>
+        <p:nvPicPr>
+          <p:cNvPr id="7" name="Picture 6">
+            <a:extLst>
+              <a:ext uri="{FF2B5EF4-FFF2-40B4-BE49-F238E27FC236}">
+                <a16:creationId xmlns:a16="http://schemas.microsoft.com/office/drawing/2014/main" id="{9158C71B-A922-FB95-3A4B-914BA83759E7}"/>
+              </a:ext>
+            </a:extLst>
+          </p:cNvPr>
+          <p:cNvPicPr>
+            <a:picLocks noChangeAspect="1"/>
+          </p:cNvPicPr>
+          <p:nvPr/>
+        </p:nvPicPr>
+        <p:blipFill>
+          <a:blip r:embed="rId3"/>
+          <a:stretch>
+            <a:fillRect/>
+          </a:stretch>
+        </p:blipFill>
+        <p:spPr>
+          <a:xfrm>
+            <a:off x="2943172" y="2851153"/>
+            <a:ext cx="1143099" cy="929721"/>
+          </a:xfrm>
+          <a:prstGeom prst="rect">
+            <a:avLst/>
+          </a:prstGeom>
+        </p:spPr>
+      </p:pic>
+    </p:spTree>
+    <p:extLst>
+      <p:ext uri="{BB962C8B-B14F-4D97-AF65-F5344CB8AC3E}">
+        <p14:creationId xmlns:p14="http://schemas.microsoft.com/office/powerpoint/2010/main" val="804452658"/>
+      </p:ext>
+    </p:extLst>
+  </p:cSld>
+  <p:clrMapOvr>
+    <a:masterClrMapping/>
+  </p:clrMapOvr>
+</p:sld>
+</file>
+
+<file path=ppt/slides/slide23.xml><?xml version="1.0" encoding="utf-8"?>
+<p:sld xmlns:a="http://schemas.openxmlformats.org/drawingml/2006/main" xmlns:r="http://schemas.openxmlformats.org/officeDocument/2006/relationships" xmlns:p="http://schemas.openxmlformats.org/presentationml/2006/main">
+  <p:cSld>
+    <p:spTree>
+      <p:nvGrpSpPr>
+        <p:cNvPr id="1" name=""/>
+        <p:cNvGrpSpPr/>
+        <p:nvPr/>
+      </p:nvGrpSpPr>
+      <p:grpSpPr>
+        <a:xfrm>
+          <a:off x="0" y="0"/>
+          <a:ext cx="0" cy="0"/>
+          <a:chOff x="0" y="0"/>
+          <a:chExt cx="0" cy="0"/>
+        </a:xfrm>
+      </p:grpSpPr>
+      <p:sp>
+        <p:nvSpPr>
+          <p:cNvPr id="2" name="Title 1">
+            <a:extLst>
+              <a:ext uri="{FF2B5EF4-FFF2-40B4-BE49-F238E27FC236}">
                 <a16:creationId xmlns:a16="http://schemas.microsoft.com/office/drawing/2014/main" id="{180187DC-7823-F295-5905-DF9C5DF5AFFA}"/>
               </a:ext>
             </a:extLst>
